--- a/Slides/Unit 3/CS8392-U3-Exceptions.pptx
+++ b/Slides/Unit 3/CS8392-U3-Exceptions.pptx
@@ -3656,7 +3656,7 @@
             <a:fld id="{9515075B-F3F0-4441-A1BD-B7B515B708FF}" type="datetimeFigureOut">
               <a:rPr lang="en-US" smtClean="0"/>
               <a:pPr/>
-              <a:t>8/20/2018</a:t>
+              <a:t>9/23/2018</a:t>
             </a:fld>
             <a:endParaRPr lang="en-US"/>
           </a:p>
@@ -4521,7 +4521,7 @@
             <a:fld id="{6E658DF8-B8C0-4C7F-85EB-B53A2DDD44A9}" type="datetimeFigureOut">
               <a:rPr lang="en-US" smtClean="0"/>
               <a:pPr/>
-              <a:t>8/20/2018</a:t>
+              <a:t>9/23/2018</a:t>
             </a:fld>
             <a:endParaRPr lang="en-US"/>
           </a:p>
@@ -4688,7 +4688,7 @@
             <a:fld id="{6E658DF8-B8C0-4C7F-85EB-B53A2DDD44A9}" type="datetimeFigureOut">
               <a:rPr lang="en-US" smtClean="0"/>
               <a:pPr/>
-              <a:t>8/20/2018</a:t>
+              <a:t>9/23/2018</a:t>
             </a:fld>
             <a:endParaRPr lang="en-US"/>
           </a:p>
@@ -4865,7 +4865,7 @@
             <a:fld id="{6E658DF8-B8C0-4C7F-85EB-B53A2DDD44A9}" type="datetimeFigureOut">
               <a:rPr lang="en-US" smtClean="0"/>
               <a:pPr/>
-              <a:t>8/20/2018</a:t>
+              <a:t>9/23/2018</a:t>
             </a:fld>
             <a:endParaRPr lang="en-US"/>
           </a:p>
@@ -5064,7 +5064,7 @@
             <a:fld id="{6E658DF8-B8C0-4C7F-85EB-B53A2DDD44A9}" type="datetimeFigureOut">
               <a:rPr lang="en-US" smtClean="0"/>
               <a:pPr/>
-              <a:t>8/20/2018</a:t>
+              <a:t>9/23/2018</a:t>
             </a:fld>
             <a:endParaRPr lang="en-US"/>
           </a:p>
@@ -5307,7 +5307,7 @@
             <a:fld id="{6E658DF8-B8C0-4C7F-85EB-B53A2DDD44A9}" type="datetimeFigureOut">
               <a:rPr lang="en-US" smtClean="0"/>
               <a:pPr/>
-              <a:t>8/20/2018</a:t>
+              <a:t>9/23/2018</a:t>
             </a:fld>
             <a:endParaRPr lang="en-US"/>
           </a:p>
@@ -5592,7 +5592,7 @@
             <a:fld id="{6E658DF8-B8C0-4C7F-85EB-B53A2DDD44A9}" type="datetimeFigureOut">
               <a:rPr lang="en-US" smtClean="0"/>
               <a:pPr/>
-              <a:t>8/20/2018</a:t>
+              <a:t>9/23/2018</a:t>
             </a:fld>
             <a:endParaRPr lang="en-US"/>
           </a:p>
@@ -6011,7 +6011,7 @@
             <a:fld id="{6E658DF8-B8C0-4C7F-85EB-B53A2DDD44A9}" type="datetimeFigureOut">
               <a:rPr lang="en-US" smtClean="0"/>
               <a:pPr/>
-              <a:t>8/20/2018</a:t>
+              <a:t>9/23/2018</a:t>
             </a:fld>
             <a:endParaRPr lang="en-US"/>
           </a:p>
@@ -6126,7 +6126,7 @@
             <a:fld id="{6E658DF8-B8C0-4C7F-85EB-B53A2DDD44A9}" type="datetimeFigureOut">
               <a:rPr lang="en-US" smtClean="0"/>
               <a:pPr/>
-              <a:t>8/20/2018</a:t>
+              <a:t>9/23/2018</a:t>
             </a:fld>
             <a:endParaRPr lang="en-US"/>
           </a:p>
@@ -6218,7 +6218,7 @@
             <a:fld id="{6E658DF8-B8C0-4C7F-85EB-B53A2DDD44A9}" type="datetimeFigureOut">
               <a:rPr lang="en-US" smtClean="0"/>
               <a:pPr/>
-              <a:t>8/20/2018</a:t>
+              <a:t>9/23/2018</a:t>
             </a:fld>
             <a:endParaRPr lang="en-US"/>
           </a:p>
@@ -6492,7 +6492,7 @@
             <a:fld id="{6E658DF8-B8C0-4C7F-85EB-B53A2DDD44A9}" type="datetimeFigureOut">
               <a:rPr lang="en-US" smtClean="0"/>
               <a:pPr/>
-              <a:t>8/20/2018</a:t>
+              <a:t>9/23/2018</a:t>
             </a:fld>
             <a:endParaRPr lang="en-US"/>
           </a:p>
@@ -6742,7 +6742,7 @@
             <a:fld id="{6E658DF8-B8C0-4C7F-85EB-B53A2DDD44A9}" type="datetimeFigureOut">
               <a:rPr lang="en-US" smtClean="0"/>
               <a:pPr/>
-              <a:t>8/20/2018</a:t>
+              <a:t>9/23/2018</a:t>
             </a:fld>
             <a:endParaRPr lang="en-US"/>
           </a:p>
@@ -6958,7 +6958,7 @@
             <a:fld id="{6E658DF8-B8C0-4C7F-85EB-B53A2DDD44A9}" type="datetimeFigureOut">
               <a:rPr lang="en-US" smtClean="0"/>
               <a:pPr/>
-              <a:t>8/20/2018</a:t>
+              <a:t>9/23/2018</a:t>
             </a:fld>
             <a:endParaRPr lang="en-US"/>
           </a:p>
@@ -11109,14 +11109,14 @@
                     <a:p>
                       <a:pPr algn="just" fontAlgn="t"/>
                       <a:r>
-                        <a:rPr lang="en-US" b="1">
+                        <a:rPr lang="en-US" b="1" dirty="0" err="1">
                           <a:solidFill>
                             <a:srgbClr val="000000"/>
                           </a:solidFill>
                         </a:rPr>
                         <a:t>ClassCastException</a:t>
                       </a:r>
-                      <a:endParaRPr lang="en-US">
+                      <a:endParaRPr lang="en-US" dirty="0">
                         <a:solidFill>
                           <a:srgbClr val="000000"/>
                         </a:solidFill>
@@ -11125,7 +11125,7 @@
                     <a:p>
                       <a:pPr algn="just" fontAlgn="t"/>
                       <a:r>
-                        <a:rPr lang="en-US">
+                        <a:rPr lang="en-US" dirty="0">
                           <a:solidFill>
                             <a:srgbClr val="000000"/>
                           </a:solidFill>
@@ -11913,14 +11913,14 @@
                     <a:p>
                       <a:pPr algn="just" fontAlgn="t"/>
                       <a:r>
-                        <a:rPr lang="en-US" b="1">
+                        <a:rPr lang="en-US" b="1" dirty="0" err="1">
                           <a:solidFill>
                             <a:srgbClr val="000000"/>
                           </a:solidFill>
                         </a:rPr>
                         <a:t>IndexOutOfBoundsException</a:t>
                       </a:r>
-                      <a:endParaRPr lang="en-US">
+                      <a:endParaRPr lang="en-US" dirty="0">
                         <a:solidFill>
                           <a:srgbClr val="000000"/>
                         </a:solidFill>
@@ -11929,7 +11929,7 @@
                     <a:p>
                       <a:pPr algn="just" fontAlgn="t"/>
                       <a:r>
-                        <a:rPr lang="en-US">
+                        <a:rPr lang="en-US" dirty="0">
                           <a:solidFill>
                             <a:srgbClr val="000000"/>
                           </a:solidFill>
